--- a/Проект «Ninja’s Adventure».pptx
+++ b/Проект «Ninja’s Adventure».pptx
@@ -13,8 +13,8 @@
   <p:sldIdLst>
     <p:sldId id="256" r:id="rId5"/>
     <p:sldId id="259" r:id="rId6"/>
-    <p:sldId id="260" r:id="rId7"/>
-    <p:sldId id="269" r:id="rId8"/>
+    <p:sldId id="269" r:id="rId7"/>
+    <p:sldId id="260" r:id="rId8"/>
     <p:sldId id="264" r:id="rId9"/>
   </p:sldIdLst>
   <p:sldSz cx="12192000" cy="6858000"/>
@@ -237,7 +237,7 @@
             <a:pPr rtl="0"/>
             <a:fld id="{B99FCB9F-9216-417F-9BD4-A342FB3AE3FA}" type="datetime1">
               <a:rPr lang="ru-RU" smtClean="0"/>
-              <a:t>02.03.2020</a:t>
+              <a:t>11.03.2020</a:t>
             </a:fld>
             <a:endParaRPr lang="ru-RU" dirty="0"/>
           </a:p>
@@ -419,7 +419,7 @@
             <a:fld id="{CF1006FF-93FE-4EE6-BEDD-84A3AA0BC492}" type="datetime1">
               <a:rPr lang="ru-RU" smtClean="0"/>
               <a:pPr/>
-              <a:t>02.03.2020</a:t>
+              <a:t>11.03.2020</a:t>
             </a:fld>
             <a:endParaRPr lang="ru-RU" dirty="0"/>
           </a:p>
@@ -938,7 +938,7 @@
     </p:spTree>
     <p:extLst>
       <p:ext uri="{BB962C8B-B14F-4D97-AF65-F5344CB8AC3E}">
-        <p14:creationId xmlns:p14="http://schemas.microsoft.com/office/powerpoint/2010/main" val="2103765286"/>
+        <p14:creationId xmlns:p14="http://schemas.microsoft.com/office/powerpoint/2010/main" val="539394608"/>
       </p:ext>
     </p:extLst>
   </p:cSld>
@@ -1024,7 +1024,7 @@
     </p:spTree>
     <p:extLst>
       <p:ext uri="{BB962C8B-B14F-4D97-AF65-F5344CB8AC3E}">
-        <p14:creationId xmlns:p14="http://schemas.microsoft.com/office/powerpoint/2010/main" val="539394608"/>
+        <p14:creationId xmlns:p14="http://schemas.microsoft.com/office/powerpoint/2010/main" val="2103765286"/>
       </p:ext>
     </p:extLst>
   </p:cSld>
@@ -13704,7 +13704,12 @@
             <p:ph type="title"/>
           </p:nvPr>
         </p:nvSpPr>
-        <p:spPr/>
+        <p:spPr>
+          <a:xfrm>
+            <a:off x="407811" y="492938"/>
+            <a:ext cx="7342622" cy="1215566"/>
+          </a:xfrm>
+        </p:spPr>
         <p:txBody>
           <a:bodyPr rtlCol="0"/>
           <a:lstStyle/>
@@ -13734,7 +13739,12 @@
             <p:ph type="body" sz="quarter" idx="13"/>
           </p:nvPr>
         </p:nvSpPr>
-        <p:spPr/>
+        <p:spPr>
+          <a:xfrm>
+            <a:off x="407812" y="1747931"/>
+            <a:ext cx="7342631" cy="608895"/>
+          </a:xfrm>
+        </p:spPr>
         <p:txBody>
           <a:bodyPr rtlCol="0"/>
           <a:lstStyle/>
@@ -13750,7 +13760,23 @@
             </a:r>
             <a:r>
               <a:rPr lang="ru-RU" dirty="0"/>
-              <a:t>» представляет из себя двухмерный стелс-платформер, в котором игроку нужно найти свою цель и обезвредить её.</a:t>
+              <a:t>» представляет из себя двухмерный платформер, в котором игроку нужно помочь </a:t>
+            </a:r>
+            <a:r>
+              <a:rPr lang="ru-RU" dirty="0" err="1"/>
+              <a:t>ниндзе</a:t>
+            </a:r>
+            <a:r>
+              <a:rPr lang="ru-RU" dirty="0"/>
+              <a:t> завершить его </a:t>
+            </a:r>
+            <a:r>
+              <a:rPr lang="ru-RU" dirty="0" err="1"/>
+              <a:t>послденее</a:t>
+            </a:r>
+            <a:r>
+              <a:rPr lang="ru-RU" dirty="0"/>
+              <a:t> задание.</a:t>
             </a:r>
           </a:p>
         </p:txBody>
@@ -13777,6 +13803,36 @@
           <a:stretch/>
         </p:blipFill>
         <p:spPr/>
+      </p:pic>
+      <p:pic>
+        <p:nvPicPr>
+          <p:cNvPr id="3" name="Рисунок 2">
+            <a:extLst>
+              <a:ext uri="{FF2B5EF4-FFF2-40B4-BE49-F238E27FC236}">
+                <a16:creationId xmlns:a16="http://schemas.microsoft.com/office/drawing/2014/main" id="{4917E8C0-E87D-48E6-B46D-59A4A4F42A86}"/>
+              </a:ext>
+            </a:extLst>
+          </p:cNvPr>
+          <p:cNvPicPr>
+            <a:picLocks noChangeAspect="1"/>
+          </p:cNvPicPr>
+          <p:nvPr/>
+        </p:nvPicPr>
+        <p:blipFill>
+          <a:blip r:embed="rId4"/>
+          <a:stretch>
+            <a:fillRect/>
+          </a:stretch>
+        </p:blipFill>
+        <p:spPr>
+          <a:xfrm>
+            <a:off x="2286706" y="3456435"/>
+            <a:ext cx="2438400" cy="2438400"/>
+          </a:xfrm>
+          <a:prstGeom prst="rect">
+            <a:avLst/>
+          </a:prstGeom>
+        </p:spPr>
       </p:pic>
     </p:spTree>
     <p:extLst>
@@ -13810,10 +13866,10 @@
       </p:grpSpPr>
       <p:sp>
         <p:nvSpPr>
-          <p:cNvPr id="41" name="Заголовок 3">
-            <a:extLst>
-              <a:ext uri="{FF2B5EF4-FFF2-40B4-BE49-F238E27FC236}">
-                <a16:creationId xmlns:a16="http://schemas.microsoft.com/office/drawing/2014/main" id="{1ABD613F-111C-41D6-9F8E-8B2C42A5E047}"/>
+          <p:cNvPr id="14" name="Заголовок 13">
+            <a:extLst>
+              <a:ext uri="{FF2B5EF4-FFF2-40B4-BE49-F238E27FC236}">
+                <a16:creationId xmlns:a16="http://schemas.microsoft.com/office/drawing/2014/main" id="{E3E5EE03-FBF6-46F5-8085-716AC6CE1C8C}"/>
               </a:ext>
             </a:extLst>
           </p:cNvPr>
@@ -13824,7 +13880,12 @@
             <p:ph type="title"/>
           </p:nvPr>
         </p:nvSpPr>
-        <p:spPr/>
+        <p:spPr>
+          <a:xfrm>
+            <a:off x="518678" y="851579"/>
+            <a:ext cx="8333222" cy="1147969"/>
+          </a:xfrm>
+        </p:spPr>
         <p:txBody>
           <a:bodyPr rtlCol="0"/>
           <a:lstStyle/>
@@ -13840,127 +13901,10 @@
       </p:sp>
       <p:sp>
         <p:nvSpPr>
-          <p:cNvPr id="43" name="Текст 8">
-            <a:extLst>
-              <a:ext uri="{FF2B5EF4-FFF2-40B4-BE49-F238E27FC236}">
-                <a16:creationId xmlns:a16="http://schemas.microsoft.com/office/drawing/2014/main" id="{EA7C22CB-613A-4C0B-90B3-4A405F793D3C}"/>
-              </a:ext>
-            </a:extLst>
-          </p:cNvPr>
-          <p:cNvSpPr>
-            <a:spLocks noGrp="1"/>
-          </p:cNvSpPr>
-          <p:nvPr>
-            <p:ph type="body" sz="quarter" idx="13"/>
-          </p:nvPr>
-        </p:nvSpPr>
-        <p:spPr/>
-        <p:txBody>
-          <a:bodyPr rtlCol="0"/>
-          <a:lstStyle/>
-          <a:p>
-            <a:pPr rtl="0"/>
-            <a:r>
-              <a:rPr lang="ru-RU" dirty="0"/>
-              <a:t>Проект написан на </a:t>
-            </a:r>
-            <a:r>
-              <a:rPr lang="en-US" dirty="0"/>
-              <a:t>Python 3 </a:t>
-            </a:r>
-            <a:r>
-              <a:rPr lang="ru-RU" dirty="0"/>
-              <a:t>в </a:t>
-            </a:r>
-            <a:r>
-              <a:rPr lang="en-US" dirty="0"/>
-              <a:t>IDE PyCharm.</a:t>
-            </a:r>
-            <a:r>
-              <a:rPr lang="ru-RU" dirty="0"/>
-              <a:t> В нём используются библиотеки:</a:t>
-            </a:r>
-          </a:p>
-        </p:txBody>
-      </p:sp>
-      <p:sp>
-        <p:nvSpPr>
-          <p:cNvPr id="42" name="Объект 6">
-            <a:extLst>
-              <a:ext uri="{FF2B5EF4-FFF2-40B4-BE49-F238E27FC236}">
-                <a16:creationId xmlns:a16="http://schemas.microsoft.com/office/drawing/2014/main" id="{55EACD59-7C51-4810-94C6-BCB4D12346DC}"/>
-              </a:ext>
-            </a:extLst>
-          </p:cNvPr>
-          <p:cNvSpPr>
-            <a:spLocks noGrp="1"/>
-          </p:cNvSpPr>
-          <p:nvPr>
-            <p:ph idx="1"/>
-          </p:nvPr>
-        </p:nvSpPr>
-        <p:spPr/>
-        <p:txBody>
-          <a:bodyPr rtlCol="0">
-            <a:normAutofit/>
-          </a:bodyPr>
-          <a:lstStyle/>
-          <a:p>
-            <a:pPr lvl="0" rtl="0"/>
-            <a:r>
-              <a:rPr lang="en-US" dirty="0" err="1"/>
-              <a:t>PyGame</a:t>
-            </a:r>
-            <a:endParaRPr lang="ru-RU" dirty="0"/>
-          </a:p>
-          <a:p>
-            <a:pPr lvl="0" rtl="0"/>
-            <a:r>
-              <a:rPr lang="en-US" dirty="0"/>
-              <a:t>VLC</a:t>
-            </a:r>
-          </a:p>
-          <a:p>
-            <a:pPr lvl="0" rtl="0"/>
-            <a:r>
-              <a:rPr lang="en-US" dirty="0" err="1"/>
-              <a:t>PyAnim</a:t>
-            </a:r>
-            <a:endParaRPr lang="ru-RU" dirty="0"/>
-          </a:p>
-        </p:txBody>
-      </p:sp>
-      <p:pic>
-        <p:nvPicPr>
-          <p:cNvPr id="59" name="Рисунок 58" title="Здания">
-            <a:extLst>
-              <a:ext uri="{FF2B5EF4-FFF2-40B4-BE49-F238E27FC236}">
-                <a16:creationId xmlns:a16="http://schemas.microsoft.com/office/drawing/2014/main" id="{3FCCC668-2247-4814-9CC5-9C5D4B447AA3}"/>
-              </a:ext>
-            </a:extLst>
-          </p:cNvPr>
-          <p:cNvPicPr>
-            <a:picLocks noGrp="1" noChangeAspect="1"/>
-          </p:cNvPicPr>
-          <p:nvPr>
-            <p:ph type="pic" sz="quarter" idx="14"/>
-          </p:nvPr>
-        </p:nvPicPr>
-        <p:blipFill>
-          <a:blip r:embed="rId3"/>
-          <a:srcRect l="13492" r="13492"/>
-          <a:stretch>
-            <a:fillRect/>
-          </a:stretch>
-        </p:blipFill>
-        <p:spPr/>
-      </p:pic>
-      <p:sp>
-        <p:nvSpPr>
-          <p:cNvPr id="2" name="Прямоугольник 1">
-            <a:extLst>
-              <a:ext uri="{FF2B5EF4-FFF2-40B4-BE49-F238E27FC236}">
-                <a16:creationId xmlns:a16="http://schemas.microsoft.com/office/drawing/2014/main" id="{ACD633E5-EEFD-43EF-8618-2AF14D54CCB9}"/>
+          <p:cNvPr id="3" name="Прямоугольник 2">
+            <a:extLst>
+              <a:ext uri="{FF2B5EF4-FFF2-40B4-BE49-F238E27FC236}">
+                <a16:creationId xmlns:a16="http://schemas.microsoft.com/office/drawing/2014/main" id="{9F95A97F-3A21-4EEA-A72F-FEC5CC7189E3}"/>
               </a:ext>
             </a:extLst>
           </p:cNvPr>
@@ -13969,14 +13913,14 @@
         </p:nvSpPr>
         <p:spPr>
           <a:xfrm>
-            <a:off x="11146971" y="337751"/>
-            <a:ext cx="740227" cy="436606"/>
+            <a:off x="-1" y="3575222"/>
+            <a:ext cx="2191265" cy="1828800"/>
           </a:xfrm>
           <a:prstGeom prst="rect">
             <a:avLst/>
           </a:prstGeom>
           <a:solidFill>
-            <a:srgbClr val="F2F2F2"/>
+            <a:srgbClr val="FFFFFF"/>
           </a:solidFill>
           <a:ln>
             <a:noFill/>
@@ -14007,10 +13951,240 @@
           </a:p>
         </p:txBody>
       </p:sp>
+      <p:sp>
+        <p:nvSpPr>
+          <p:cNvPr id="19" name="Текст 18">
+            <a:extLst>
+              <a:ext uri="{FF2B5EF4-FFF2-40B4-BE49-F238E27FC236}">
+                <a16:creationId xmlns:a16="http://schemas.microsoft.com/office/drawing/2014/main" id="{DFE11F38-F66B-4F95-8224-6CCA69D57617}"/>
+              </a:ext>
+            </a:extLst>
+          </p:cNvPr>
+          <p:cNvSpPr>
+            <a:spLocks noGrp="1"/>
+          </p:cNvSpPr>
+          <p:nvPr>
+            <p:ph type="body" sz="quarter" idx="16"/>
+          </p:nvPr>
+        </p:nvSpPr>
+        <p:spPr>
+          <a:xfrm>
+            <a:off x="518678" y="2121444"/>
+            <a:ext cx="3894989" cy="608895"/>
+          </a:xfrm>
+        </p:spPr>
+        <p:txBody>
+          <a:bodyPr rtlCol="0"/>
+          <a:lstStyle/>
+          <a:p>
+            <a:r>
+              <a:rPr lang="ru-RU" dirty="0"/>
+              <a:t>Проект написан на </a:t>
+            </a:r>
+            <a:r>
+              <a:rPr lang="en-US" dirty="0"/>
+              <a:t>Python 3 </a:t>
+            </a:r>
+            <a:r>
+              <a:rPr lang="ru-RU" dirty="0"/>
+              <a:t>в </a:t>
+            </a:r>
+            <a:r>
+              <a:rPr lang="en-US" dirty="0"/>
+              <a:t>IDE PyCharm</a:t>
+            </a:r>
+            <a:r>
+              <a:rPr lang="ru-RU" dirty="0"/>
+              <a:t> с использованием библиотеки </a:t>
+            </a:r>
+            <a:r>
+              <a:rPr lang="en-US" dirty="0" err="1"/>
+              <a:t>PyGame</a:t>
+            </a:r>
+            <a:r>
+              <a:rPr lang="en-US" dirty="0"/>
+              <a:t>.</a:t>
+            </a:r>
+            <a:r>
+              <a:rPr lang="ru-RU" dirty="0"/>
+              <a:t> В нём были реализованы классы:</a:t>
+            </a:r>
+          </a:p>
+        </p:txBody>
+      </p:sp>
+      <p:sp>
+        <p:nvSpPr>
+          <p:cNvPr id="16" name="Объект 15">
+            <a:extLst>
+              <a:ext uri="{FF2B5EF4-FFF2-40B4-BE49-F238E27FC236}">
+                <a16:creationId xmlns:a16="http://schemas.microsoft.com/office/drawing/2014/main" id="{1DCFA8A2-3FB8-48CA-933D-0800A9D2A2A2}"/>
+              </a:ext>
+            </a:extLst>
+          </p:cNvPr>
+          <p:cNvSpPr>
+            <a:spLocks noGrp="1"/>
+          </p:cNvSpPr>
+          <p:nvPr>
+            <p:ph sz="half" idx="13"/>
+          </p:nvPr>
+        </p:nvSpPr>
+        <p:spPr>
+          <a:xfrm>
+            <a:off x="518678" y="3787947"/>
+            <a:ext cx="5475290" cy="3232149"/>
+          </a:xfrm>
+        </p:spPr>
+        <p:txBody>
+          <a:bodyPr rtlCol="0"/>
+          <a:lstStyle/>
+          <a:p>
+            <a:pPr rtl="0">
+              <a:buClr>
+                <a:schemeClr val="accent2"/>
+              </a:buClr>
+            </a:pPr>
+            <a:r>
+              <a:rPr lang="ru-RU" dirty="0"/>
+              <a:t>Интерактивные</a:t>
+            </a:r>
+          </a:p>
+          <a:p>
+            <a:pPr lvl="1">
+              <a:buClr>
+                <a:schemeClr val="accent2"/>
+              </a:buClr>
+            </a:pPr>
+            <a:r>
+              <a:rPr lang="en-US" dirty="0"/>
+              <a:t>Player, Enemy, Target, Camera, Stairs</a:t>
+            </a:r>
+          </a:p>
+          <a:p>
+            <a:pPr rtl="0">
+              <a:buClr>
+                <a:schemeClr val="accent2"/>
+              </a:buClr>
+            </a:pPr>
+            <a:r>
+              <a:rPr lang="ru-RU" dirty="0"/>
+              <a:t>Статические</a:t>
+            </a:r>
+          </a:p>
+          <a:p>
+            <a:pPr lvl="1">
+              <a:buClr>
+                <a:schemeClr val="accent2"/>
+              </a:buClr>
+            </a:pPr>
+            <a:r>
+              <a:rPr lang="en-US" dirty="0"/>
+              <a:t>Lamp, Wall, Colona, </a:t>
+            </a:r>
+            <a:r>
+              <a:rPr lang="en-US" dirty="0" err="1"/>
+              <a:t>ClearPlatform</a:t>
+            </a:r>
+            <a:r>
+              <a:rPr lang="en-US" dirty="0"/>
+              <a:t>, </a:t>
+            </a:r>
+            <a:r>
+              <a:rPr lang="en-US" dirty="0" err="1"/>
+              <a:t>SmallPlatform</a:t>
+            </a:r>
+            <a:r>
+              <a:rPr lang="en-US" dirty="0"/>
+              <a:t>, Door, Roof</a:t>
+            </a:r>
+            <a:endParaRPr lang="ru-RU" dirty="0"/>
+          </a:p>
+        </p:txBody>
+      </p:sp>
+      <p:sp>
+        <p:nvSpPr>
+          <p:cNvPr id="4" name="Прямоугольник 3">
+            <a:extLst>
+              <a:ext uri="{FF2B5EF4-FFF2-40B4-BE49-F238E27FC236}">
+                <a16:creationId xmlns:a16="http://schemas.microsoft.com/office/drawing/2014/main" id="{DB21D223-9BE6-443E-8E49-E55DA3621414}"/>
+              </a:ext>
+            </a:extLst>
+          </p:cNvPr>
+          <p:cNvSpPr/>
+          <p:nvPr/>
+        </p:nvSpPr>
+        <p:spPr>
+          <a:xfrm>
+            <a:off x="11178746" y="354227"/>
+            <a:ext cx="634313" cy="385548"/>
+          </a:xfrm>
+          <a:prstGeom prst="rect">
+            <a:avLst/>
+          </a:prstGeom>
+          <a:solidFill>
+            <a:srgbClr val="FFFFFF"/>
+          </a:solidFill>
+          <a:ln>
+            <a:noFill/>
+          </a:ln>
+        </p:spPr>
+        <p:style>
+          <a:lnRef idx="2">
+            <a:schemeClr val="accent1">
+              <a:shade val="50000"/>
+            </a:schemeClr>
+          </a:lnRef>
+          <a:fillRef idx="1">
+            <a:schemeClr val="accent1"/>
+          </a:fillRef>
+          <a:effectRef idx="0">
+            <a:schemeClr val="accent1"/>
+          </a:effectRef>
+          <a:fontRef idx="minor">
+            <a:schemeClr val="lt1"/>
+          </a:fontRef>
+        </p:style>
+        <p:txBody>
+          <a:bodyPr rtlCol="0" anchor="ctr"/>
+          <a:lstStyle/>
+          <a:p>
+            <a:pPr algn="ctr"/>
+            <a:endParaRPr lang="ru-RU"/>
+          </a:p>
+        </p:txBody>
+      </p:sp>
+      <p:pic>
+        <p:nvPicPr>
+          <p:cNvPr id="2" name="Рисунок 1">
+            <a:extLst>
+              <a:ext uri="{FF2B5EF4-FFF2-40B4-BE49-F238E27FC236}">
+                <a16:creationId xmlns:a16="http://schemas.microsoft.com/office/drawing/2014/main" id="{391D84BE-2605-4DF3-9432-E002600AE528}"/>
+              </a:ext>
+            </a:extLst>
+          </p:cNvPr>
+          <p:cNvPicPr>
+            <a:picLocks noChangeAspect="1"/>
+          </p:cNvPicPr>
+          <p:nvPr/>
+        </p:nvPicPr>
+        <p:blipFill rotWithShape="1">
+          <a:blip r:embed="rId3"/>
+          <a:srcRect r="61303"/>
+          <a:stretch/>
+        </p:blipFill>
+        <p:spPr>
+          <a:xfrm>
+            <a:off x="6096000" y="1118898"/>
+            <a:ext cx="2567025" cy="5338098"/>
+          </a:xfrm>
+          <a:prstGeom prst="rect">
+            <a:avLst/>
+          </a:prstGeom>
+        </p:spPr>
+      </p:pic>
     </p:spTree>
     <p:extLst>
       <p:ext uri="{BB962C8B-B14F-4D97-AF65-F5344CB8AC3E}">
-        <p14:creationId xmlns:p14="http://schemas.microsoft.com/office/powerpoint/2010/main" val="3205466602"/>
+        <p14:creationId xmlns:p14="http://schemas.microsoft.com/office/powerpoint/2010/main" val="3891516162"/>
       </p:ext>
     </p:extLst>
   </p:cSld>
@@ -14039,10 +14213,10 @@
       </p:grpSpPr>
       <p:sp>
         <p:nvSpPr>
-          <p:cNvPr id="14" name="Заголовок 13">
-            <a:extLst>
-              <a:ext uri="{FF2B5EF4-FFF2-40B4-BE49-F238E27FC236}">
-                <a16:creationId xmlns:a16="http://schemas.microsoft.com/office/drawing/2014/main" id="{E3E5EE03-FBF6-46F5-8085-716AC6CE1C8C}"/>
+          <p:cNvPr id="41" name="Заголовок 3">
+            <a:extLst>
+              <a:ext uri="{FF2B5EF4-FFF2-40B4-BE49-F238E27FC236}">
+                <a16:creationId xmlns:a16="http://schemas.microsoft.com/office/drawing/2014/main" id="{1ABD613F-111C-41D6-9F8E-8B2C42A5E047}"/>
               </a:ext>
             </a:extLst>
           </p:cNvPr>
@@ -14061,7 +14235,7 @@
             <a:pPr rtl="0"/>
             <a:r>
               <a:rPr lang="ru-RU" dirty="0"/>
-              <a:t>Реализация</a:t>
+              <a:t>Заключение</a:t>
             </a:r>
             <a:endParaRPr lang="ru-RU" b="0" dirty="0"/>
           </a:p>
@@ -14069,10 +14243,10 @@
       </p:sp>
       <p:sp>
         <p:nvSpPr>
-          <p:cNvPr id="19" name="Текст 18">
-            <a:extLst>
-              <a:ext uri="{FF2B5EF4-FFF2-40B4-BE49-F238E27FC236}">
-                <a16:creationId xmlns:a16="http://schemas.microsoft.com/office/drawing/2014/main" id="{DFE11F38-F66B-4F95-8224-6CCA69D57617}"/>
+          <p:cNvPr id="43" name="Текст 8">
+            <a:extLst>
+              <a:ext uri="{FF2B5EF4-FFF2-40B4-BE49-F238E27FC236}">
+                <a16:creationId xmlns:a16="http://schemas.microsoft.com/office/drawing/2014/main" id="{EA7C22CB-613A-4C0B-90B3-4A405F793D3C}"/>
               </a:ext>
             </a:extLst>
           </p:cNvPr>
@@ -14080,7 +14254,7 @@
             <a:spLocks noGrp="1"/>
           </p:cNvSpPr>
           <p:nvPr>
-            <p:ph type="body" sz="quarter" idx="16"/>
+            <p:ph type="body" sz="quarter" idx="13"/>
           </p:nvPr>
         </p:nvSpPr>
         <p:spPr/>
@@ -14091,17 +14265,25 @@
             <a:pPr rtl="0"/>
             <a:r>
               <a:rPr lang="ru-RU" dirty="0"/>
-              <a:t>Для игры были написаны классы:</a:t>
+              <a:t>«</a:t>
+            </a:r>
+            <a:r>
+              <a:rPr lang="en-US" dirty="0"/>
+              <a:t>Ninja’s Adventure</a:t>
+            </a:r>
+            <a:r>
+              <a:rPr lang="ru-RU" dirty="0"/>
+              <a:t>» можно улучшить:</a:t>
             </a:r>
           </a:p>
         </p:txBody>
       </p:sp>
       <p:sp>
         <p:nvSpPr>
-          <p:cNvPr id="16" name="Объект 15">
-            <a:extLst>
-              <a:ext uri="{FF2B5EF4-FFF2-40B4-BE49-F238E27FC236}">
-                <a16:creationId xmlns:a16="http://schemas.microsoft.com/office/drawing/2014/main" id="{1DCFA8A2-3FB8-48CA-933D-0800A9D2A2A2}"/>
+          <p:cNvPr id="42" name="Объект 6">
+            <a:extLst>
+              <a:ext uri="{FF2B5EF4-FFF2-40B4-BE49-F238E27FC236}">
+                <a16:creationId xmlns:a16="http://schemas.microsoft.com/office/drawing/2014/main" id="{55EACD59-7C51-4810-94C6-BCB4D12346DC}"/>
               </a:ext>
             </a:extLst>
           </p:cNvPr>
@@ -14109,87 +14291,74 @@
             <a:spLocks noGrp="1"/>
           </p:cNvSpPr>
           <p:nvPr>
-            <p:ph sz="half" idx="13"/>
+            <p:ph idx="1"/>
           </p:nvPr>
         </p:nvSpPr>
         <p:spPr>
           <a:xfrm>
-            <a:off x="338530" y="2005762"/>
-            <a:ext cx="5475290" cy="3232149"/>
+            <a:off x="531378" y="2990969"/>
+            <a:ext cx="4942829" cy="2958275"/>
           </a:xfrm>
         </p:spPr>
         <p:txBody>
-          <a:bodyPr rtlCol="0"/>
+          <a:bodyPr rtlCol="0">
+            <a:normAutofit/>
+          </a:bodyPr>
           <a:lstStyle/>
           <a:p>
-            <a:pPr rtl="0">
-              <a:buClr>
-                <a:schemeClr val="accent2"/>
-              </a:buClr>
-            </a:pPr>
-            <a:r>
-              <a:rPr lang="en-US" dirty="0"/>
-              <a:t>Camera</a:t>
-            </a:r>
-          </a:p>
-          <a:p>
-            <a:pPr rtl="0">
-              <a:buClr>
-                <a:schemeClr val="accent2"/>
-              </a:buClr>
-            </a:pPr>
-            <a:r>
-              <a:rPr lang="en-US" dirty="0"/>
-              <a:t>Player</a:t>
-            </a:r>
-          </a:p>
-          <a:p>
-            <a:pPr rtl="0">
-              <a:buClr>
-                <a:schemeClr val="accent2"/>
-              </a:buClr>
-            </a:pPr>
-            <a:r>
-              <a:rPr lang="en-US" dirty="0"/>
-              <a:t>Lamp</a:t>
-            </a:r>
-          </a:p>
-          <a:p>
-            <a:pPr rtl="0">
-              <a:buClr>
-                <a:schemeClr val="accent2"/>
-              </a:buClr>
-            </a:pPr>
-            <a:r>
-              <a:rPr lang="en-US" dirty="0"/>
-              <a:t>Platform (</a:t>
-            </a:r>
+            <a:pPr lvl="0" rtl="0"/>
             <a:r>
               <a:rPr lang="ru-RU" dirty="0"/>
-              <a:t>и его производные)</a:t>
-            </a:r>
-            <a:endParaRPr lang="en-US" dirty="0"/>
-          </a:p>
-          <a:p>
-            <a:pPr rtl="0">
-              <a:buClr>
-                <a:schemeClr val="accent2"/>
-              </a:buClr>
-            </a:pPr>
-            <a:r>
-              <a:rPr lang="en-US" dirty="0"/>
-              <a:t>Enemy</a:t>
-            </a:r>
-            <a:endParaRPr lang="ru-RU" dirty="0"/>
+              <a:t>Созданием редактора карт</a:t>
+            </a:r>
+          </a:p>
+          <a:p>
+            <a:pPr lvl="0" rtl="0"/>
+            <a:r>
+              <a:rPr lang="ru-RU" dirty="0"/>
+              <a:t>Добавлением новых противников</a:t>
+            </a:r>
+          </a:p>
+          <a:p>
+            <a:pPr lvl="0" rtl="0"/>
+            <a:r>
+              <a:rPr lang="ru-RU" dirty="0"/>
+              <a:t>Рисованием анимации персонажей</a:t>
+            </a:r>
           </a:p>
         </p:txBody>
       </p:sp>
-      <p:sp>
-        <p:nvSpPr>
-          <p:cNvPr id="4" name="Прямоугольник 3">
-            <a:extLst>
-              <a:ext uri="{FF2B5EF4-FFF2-40B4-BE49-F238E27FC236}">
-                <a16:creationId xmlns:a16="http://schemas.microsoft.com/office/drawing/2014/main" id="{DB21D223-9BE6-443E-8E49-E55DA3621414}"/>
+      <p:pic>
+        <p:nvPicPr>
+          <p:cNvPr id="59" name="Рисунок 58" title="Здания">
+            <a:extLst>
+              <a:ext uri="{FF2B5EF4-FFF2-40B4-BE49-F238E27FC236}">
+                <a16:creationId xmlns:a16="http://schemas.microsoft.com/office/drawing/2014/main" id="{3FCCC668-2247-4814-9CC5-9C5D4B447AA3}"/>
+              </a:ext>
+            </a:extLst>
+          </p:cNvPr>
+          <p:cNvPicPr>
+            <a:picLocks noGrp="1" noChangeAspect="1"/>
+          </p:cNvPicPr>
+          <p:nvPr>
+            <p:ph type="pic" sz="quarter" idx="14"/>
+          </p:nvPr>
+        </p:nvPicPr>
+        <p:blipFill>
+          <a:blip r:embed="rId3"/>
+          <a:srcRect l="13492" r="13492"/>
+          <a:stretch>
+            <a:fillRect/>
+          </a:stretch>
+        </p:blipFill>
+        <p:spPr/>
+      </p:pic>
+      <p:sp>
+        <p:nvSpPr>
+          <p:cNvPr id="2" name="Прямоугольник 1">
+            <a:extLst>
+              <a:ext uri="{FF2B5EF4-FFF2-40B4-BE49-F238E27FC236}">
+                <a16:creationId xmlns:a16="http://schemas.microsoft.com/office/drawing/2014/main" id="{ACD633E5-EEFD-43EF-8618-2AF14D54CCB9}"/>
               </a:ext>
             </a:extLst>
           </p:cNvPr>
@@ -14198,14 +14367,14 @@
         </p:nvSpPr>
         <p:spPr>
           <a:xfrm>
-            <a:off x="11178746" y="354227"/>
-            <a:ext cx="634313" cy="385548"/>
+            <a:off x="11146971" y="337751"/>
+            <a:ext cx="740227" cy="436606"/>
           </a:xfrm>
           <a:prstGeom prst="rect">
             <a:avLst/>
           </a:prstGeom>
           <a:solidFill>
-            <a:srgbClr val="FFFFFF"/>
+            <a:srgbClr val="F2F2F2"/>
           </a:solidFill>
           <a:ln>
             <a:noFill/>
@@ -14236,10 +14405,40 @@
           </a:p>
         </p:txBody>
       </p:sp>
+      <p:pic>
+        <p:nvPicPr>
+          <p:cNvPr id="4" name="Рисунок 3">
+            <a:extLst>
+              <a:ext uri="{FF2B5EF4-FFF2-40B4-BE49-F238E27FC236}">
+                <a16:creationId xmlns:a16="http://schemas.microsoft.com/office/drawing/2014/main" id="{01C4D5F2-E17E-4CC7-AACD-F2ADEEDFCC71}"/>
+              </a:ext>
+            </a:extLst>
+          </p:cNvPr>
+          <p:cNvPicPr>
+            <a:picLocks noChangeAspect="1"/>
+          </p:cNvPicPr>
+          <p:nvPr/>
+        </p:nvPicPr>
+        <p:blipFill>
+          <a:blip r:embed="rId4"/>
+          <a:stretch>
+            <a:fillRect/>
+          </a:stretch>
+        </p:blipFill>
+        <p:spPr>
+          <a:xfrm>
+            <a:off x="6554971" y="2563477"/>
+            <a:ext cx="2014999" cy="2014999"/>
+          </a:xfrm>
+          <a:prstGeom prst="rect">
+            <a:avLst/>
+          </a:prstGeom>
+        </p:spPr>
+      </p:pic>
     </p:spTree>
     <p:extLst>
       <p:ext uri="{BB962C8B-B14F-4D97-AF65-F5344CB8AC3E}">
-        <p14:creationId xmlns:p14="http://schemas.microsoft.com/office/powerpoint/2010/main" val="3891516162"/>
+        <p14:creationId xmlns:p14="http://schemas.microsoft.com/office/powerpoint/2010/main" val="3205466602"/>
       </p:ext>
     </p:extLst>
   </p:cSld>
@@ -15352,6 +15551,24 @@
 </file>
 
 <file path=customXml/item1.xml><?xml version="1.0" encoding="utf-8"?>
+<p:properties xmlns:p="http://schemas.microsoft.com/office/2006/metadata/properties" xmlns:xsi="http://www.w3.org/2001/XMLSchema-instance" xmlns:pc="http://schemas.microsoft.com/office/infopath/2007/PartnerControls">
+  <documentManagement>
+    <_ip_UnifiedCompliancePolicyUIAction xmlns="http://schemas.microsoft.com/sharepoint/v3" xsi:nil="true"/>
+    <_ip_UnifiedCompliancePolicyProperties xmlns="http://schemas.microsoft.com/sharepoint/v3" xsi:nil="true"/>
+  </documentManagement>
+</p:properties>
+</file>
+
+<file path=customXml/item2.xml><?xml version="1.0" encoding="utf-8"?>
+<?mso-contentType ?>
+<FormTemplates xmlns="http://schemas.microsoft.com/sharepoint/v3/contenttype/forms">
+  <Display>DocumentLibraryForm</Display>
+  <Edit>DocumentLibraryForm</Edit>
+  <New>DocumentLibraryForm</New>
+</FormTemplates>
+</file>
+
+<file path=customXml/item3.xml><?xml version="1.0" encoding="utf-8"?>
 <ct:contentTypeSchema xmlns:ct="http://schemas.microsoft.com/office/2006/metadata/contentType" xmlns:ma="http://schemas.microsoft.com/office/2006/metadata/properties/metaAttributes" ct:_="" ma:_="" ma:contentTypeName="Document" ma:contentTypeID="0x010100DEEA25CC0A0AC24199CDC46C25B8B0BC" ma:contentTypeVersion="10" ma:contentTypeDescription="Create a new document." ma:contentTypeScope="" ma:versionID="e3b47856d4cf355c0dacb39e1084d14f">
   <xsd:schema xmlns:xsd="http://www.w3.org/2001/XMLSchema" xmlns:xs="http://www.w3.org/2001/XMLSchema" xmlns:p="http://schemas.microsoft.com/office/2006/metadata/properties" xmlns:ns1="http://schemas.microsoft.com/sharepoint/v3" xmlns:ns2="6dc4bcd6-49db-4c07-9060-8acfc67cef9f" xmlns:ns3="fb0879af-3eba-417a-a55a-ffe6dcd6ca77" targetNamespace="http://schemas.microsoft.com/office/2006/metadata/properties" ma:root="true" ma:fieldsID="a845a615265fdb1f7b12cc65ac20ecbd" ns1:_="" ns2:_="" ns3:_="">
     <xsd:import namespace="http://schemas.microsoft.com/sharepoint/v3"/>
@@ -15559,25 +15776,33 @@
 </ct:contentTypeSchema>
 </file>
 
-<file path=customXml/item2.xml><?xml version="1.0" encoding="utf-8"?>
-<?mso-contentType ?>
-<FormTemplates xmlns="http://schemas.microsoft.com/sharepoint/v3/contenttype/forms">
-  <Display>DocumentLibraryForm</Display>
-  <Edit>DocumentLibraryForm</Edit>
-  <New>DocumentLibraryForm</New>
-</FormTemplates>
+<file path=customXml/itemProps1.xml><?xml version="1.0" encoding="utf-8"?>
+<ds:datastoreItem xmlns:ds="http://schemas.openxmlformats.org/officeDocument/2006/customXml" ds:itemID="{374D15D6-87BC-477C-8E91-9F90829C2FC8}">
+  <ds:schemaRefs>
+    <ds:schemaRef ds:uri="http://schemas.microsoft.com/office/2006/metadata/properties"/>
+    <ds:schemaRef ds:uri="http://www.w3.org/XML/1998/namespace"/>
+    <ds:schemaRef ds:uri="http://purl.org/dc/elements/1.1/"/>
+    <ds:schemaRef ds:uri="http://schemas.microsoft.com/sharepoint/v3"/>
+    <ds:schemaRef ds:uri="http://purl.org/dc/dcmitype/"/>
+    <ds:schemaRef ds:uri="http://schemas.microsoft.com/office/2006/documentManagement/types"/>
+    <ds:schemaRef ds:uri="fb0879af-3eba-417a-a55a-ffe6dcd6ca77"/>
+    <ds:schemaRef ds:uri="http://purl.org/dc/terms/"/>
+    <ds:schemaRef ds:uri="http://schemas.microsoft.com/office/infopath/2007/PartnerControls"/>
+    <ds:schemaRef ds:uri="http://schemas.openxmlformats.org/package/2006/metadata/core-properties"/>
+    <ds:schemaRef ds:uri="6dc4bcd6-49db-4c07-9060-8acfc67cef9f"/>
+  </ds:schemaRefs>
+</ds:datastoreItem>
 </file>
 
-<file path=customXml/item3.xml><?xml version="1.0" encoding="utf-8"?>
-<p:properties xmlns:p="http://schemas.microsoft.com/office/2006/metadata/properties" xmlns:xsi="http://www.w3.org/2001/XMLSchema-instance" xmlns:pc="http://schemas.microsoft.com/office/infopath/2007/PartnerControls">
-  <documentManagement>
-    <_ip_UnifiedCompliancePolicyUIAction xmlns="http://schemas.microsoft.com/sharepoint/v3" xsi:nil="true"/>
-    <_ip_UnifiedCompliancePolicyProperties xmlns="http://schemas.microsoft.com/sharepoint/v3" xsi:nil="true"/>
-  </documentManagement>
-</p:properties>
+<file path=customXml/itemProps2.xml><?xml version="1.0" encoding="utf-8"?>
+<ds:datastoreItem xmlns:ds="http://schemas.openxmlformats.org/officeDocument/2006/customXml" ds:itemID="{F79AA90D-A39D-4F83-B1BD-92099B1CAD0D}">
+  <ds:schemaRefs>
+    <ds:schemaRef ds:uri="http://schemas.microsoft.com/sharepoint/v3/contenttype/forms"/>
+  </ds:schemaRefs>
+</ds:datastoreItem>
 </file>
 
-<file path=customXml/itemProps1.xml><?xml version="1.0" encoding="utf-8"?>
+<file path=customXml/itemProps3.xml><?xml version="1.0" encoding="utf-8"?>
 <ds:datastoreItem xmlns:ds="http://schemas.openxmlformats.org/officeDocument/2006/customXml" ds:itemID="{D19A80A7-0DD1-4CF4-ABD5-362A6549C557}">
   <ds:schemaRefs>
     <ds:schemaRef ds:uri="http://schemas.microsoft.com/office/2006/metadata/contentType"/>
@@ -15595,30 +15820,4 @@
     <ds:schemaRef ds:uri="http://schemas.microsoft.com/internal/obd"/>
   </ds:schemaRefs>
 </ds:datastoreItem>
-</file>
-
-<file path=customXml/itemProps2.xml><?xml version="1.0" encoding="utf-8"?>
-<ds:datastoreItem xmlns:ds="http://schemas.openxmlformats.org/officeDocument/2006/customXml" ds:itemID="{F79AA90D-A39D-4F83-B1BD-92099B1CAD0D}">
-  <ds:schemaRefs>
-    <ds:schemaRef ds:uri="http://schemas.microsoft.com/sharepoint/v3/contenttype/forms"/>
-  </ds:schemaRefs>
-</ds:datastoreItem>
-</file>
-
-<file path=customXml/itemProps3.xml><?xml version="1.0" encoding="utf-8"?>
-<ds:datastoreItem xmlns:ds="http://schemas.openxmlformats.org/officeDocument/2006/customXml" ds:itemID="{374D15D6-87BC-477C-8E91-9F90829C2FC8}">
-  <ds:schemaRefs>
-    <ds:schemaRef ds:uri="http://schemas.microsoft.com/office/2006/metadata/properties"/>
-    <ds:schemaRef ds:uri="http://www.w3.org/XML/1998/namespace"/>
-    <ds:schemaRef ds:uri="http://purl.org/dc/elements/1.1/"/>
-    <ds:schemaRef ds:uri="http://schemas.microsoft.com/sharepoint/v3"/>
-    <ds:schemaRef ds:uri="http://purl.org/dc/dcmitype/"/>
-    <ds:schemaRef ds:uri="http://schemas.microsoft.com/office/2006/documentManagement/types"/>
-    <ds:schemaRef ds:uri="fb0879af-3eba-417a-a55a-ffe6dcd6ca77"/>
-    <ds:schemaRef ds:uri="http://purl.org/dc/terms/"/>
-    <ds:schemaRef ds:uri="http://schemas.microsoft.com/office/infopath/2007/PartnerControls"/>
-    <ds:schemaRef ds:uri="http://schemas.openxmlformats.org/package/2006/metadata/core-properties"/>
-    <ds:schemaRef ds:uri="6dc4bcd6-49db-4c07-9060-8acfc67cef9f"/>
-  </ds:schemaRefs>
-</ds:datastoreItem>
 </file>